--- a/DATA CLIMA CREACION DE PRODUCTOS.pptx
+++ b/DATA CLIMA CREACION DE PRODUCTOS.pptx
@@ -293,7 +293,7 @@
           <a:p>
             <a:fld id="{C0487DC4-C195-4426-A1CC-85F068579E8D}" type="datetimeFigureOut">
               <a:rPr lang="es-CL" smtClean="0"/>
-              <a:t>19-11-2020</a:t>
+              <a:t>27-11-2020</a:t>
             </a:fld>
             <a:endParaRPr lang="es-CL"/>
           </a:p>
@@ -463,7 +463,7 @@
           <a:p>
             <a:fld id="{C0487DC4-C195-4426-A1CC-85F068579E8D}" type="datetimeFigureOut">
               <a:rPr lang="es-CL" smtClean="0"/>
-              <a:t>19-11-2020</a:t>
+              <a:t>27-11-2020</a:t>
             </a:fld>
             <a:endParaRPr lang="es-CL"/>
           </a:p>
@@ -686,7 +686,7 @@
           <a:p>
             <a:fld id="{C0487DC4-C195-4426-A1CC-85F068579E8D}" type="datetimeFigureOut">
               <a:rPr lang="es-CL" smtClean="0"/>
-              <a:t>19-11-2020</a:t>
+              <a:t>27-11-2020</a:t>
             </a:fld>
             <a:endParaRPr lang="es-CL"/>
           </a:p>
@@ -866,7 +866,7 @@
           <a:p>
             <a:fld id="{C0487DC4-C195-4426-A1CC-85F068579E8D}" type="datetimeFigureOut">
               <a:rPr lang="es-CL" smtClean="0"/>
-              <a:t>19-11-2020</a:t>
+              <a:t>27-11-2020</a:t>
             </a:fld>
             <a:endParaRPr lang="es-CL"/>
           </a:p>
@@ -1172,7 +1172,7 @@
           <a:p>
             <a:fld id="{C0487DC4-C195-4426-A1CC-85F068579E8D}" type="datetimeFigureOut">
               <a:rPr lang="es-CL" smtClean="0"/>
-              <a:t>19-11-2020</a:t>
+              <a:t>27-11-2020</a:t>
             </a:fld>
             <a:endParaRPr lang="es-CL"/>
           </a:p>
@@ -1476,7 +1476,7 @@
           <a:p>
             <a:fld id="{C0487DC4-C195-4426-A1CC-85F068579E8D}" type="datetimeFigureOut">
               <a:rPr lang="es-CL" smtClean="0"/>
-              <a:t>19-11-2020</a:t>
+              <a:t>27-11-2020</a:t>
             </a:fld>
             <a:endParaRPr lang="es-CL"/>
           </a:p>
@@ -1898,7 +1898,7 @@
           <a:p>
             <a:fld id="{C0487DC4-C195-4426-A1CC-85F068579E8D}" type="datetimeFigureOut">
               <a:rPr lang="es-CL" smtClean="0"/>
-              <a:t>19-11-2020</a:t>
+              <a:t>27-11-2020</a:t>
             </a:fld>
             <a:endParaRPr lang="es-CL"/>
           </a:p>
@@ -2016,7 +2016,7 @@
           <a:p>
             <a:fld id="{C0487DC4-C195-4426-A1CC-85F068579E8D}" type="datetimeFigureOut">
               <a:rPr lang="es-CL" smtClean="0"/>
-              <a:t>19-11-2020</a:t>
+              <a:t>27-11-2020</a:t>
             </a:fld>
             <a:endParaRPr lang="es-CL"/>
           </a:p>
@@ -2111,7 +2111,7 @@
           <a:p>
             <a:fld id="{C0487DC4-C195-4426-A1CC-85F068579E8D}" type="datetimeFigureOut">
               <a:rPr lang="es-CL" smtClean="0"/>
-              <a:t>19-11-2020</a:t>
+              <a:t>27-11-2020</a:t>
             </a:fld>
             <a:endParaRPr lang="es-CL"/>
           </a:p>
@@ -2384,7 +2384,7 @@
           <a:p>
             <a:fld id="{C0487DC4-C195-4426-A1CC-85F068579E8D}" type="datetimeFigureOut">
               <a:rPr lang="es-CL" smtClean="0"/>
-              <a:t>19-11-2020</a:t>
+              <a:t>27-11-2020</a:t>
             </a:fld>
             <a:endParaRPr lang="es-CL"/>
           </a:p>
@@ -2649,7 +2649,7 @@
           <a:p>
             <a:fld id="{C0487DC4-C195-4426-A1CC-85F068579E8D}" type="datetimeFigureOut">
               <a:rPr lang="es-CL" smtClean="0"/>
-              <a:t>19-11-2020</a:t>
+              <a:t>27-11-2020</a:t>
             </a:fld>
             <a:endParaRPr lang="es-CL"/>
           </a:p>
@@ -2898,7 +2898,7 @@
           <a:p>
             <a:fld id="{C0487DC4-C195-4426-A1CC-85F068579E8D}" type="datetimeFigureOut">
               <a:rPr lang="es-CL" smtClean="0"/>
-              <a:t>19-11-2020</a:t>
+              <a:t>27-11-2020</a:t>
             </a:fld>
             <a:endParaRPr lang="es-CL"/>
           </a:p>
@@ -3518,7 +3518,7 @@
         <p:spPr/>
         <p:txBody>
           <a:bodyPr>
-            <a:normAutofit lnSpcReduction="10000"/>
+            <a:normAutofit/>
           </a:bodyPr>
           <a:lstStyle/>
           <a:p>
@@ -3632,7 +3632,7 @@
                   <a:srgbClr val="C00000"/>
                 </a:solidFill>
               </a:rPr>
-              <a:t>(ya estaba en proceso, Patricio tiene el Word con las instrucciones)</a:t>
+              <a:t>(terminado)</a:t>
             </a:r>
           </a:p>
           <a:p>
@@ -3722,10 +3722,10 @@
       </p:sp>
       <p:pic>
         <p:nvPicPr>
-          <p:cNvPr id="5" name="Marcador de contenido 4">
+          <p:cNvPr id="7" name="Marcador de contenido 6">
             <a:extLst>
               <a:ext uri="{FF2B5EF4-FFF2-40B4-BE49-F238E27FC236}">
-                <a16:creationId xmlns:a16="http://schemas.microsoft.com/office/drawing/2014/main" id="{5292A6B0-2557-4204-B35F-E41594C78205}"/>
+                <a16:creationId xmlns:a16="http://schemas.microsoft.com/office/drawing/2014/main" id="{DFB2AC89-79EE-4F92-BA40-B207DEB0F569}"/>
               </a:ext>
             </a:extLst>
           </p:cNvPr>
@@ -3750,54 +3750,11 @@
         </p:blipFill>
         <p:spPr>
           <a:xfrm>
-            <a:off x="1997088" y="1976491"/>
-            <a:ext cx="8195741" cy="4597333"/>
+            <a:off x="1925177" y="2051120"/>
+            <a:ext cx="8339563" cy="4671440"/>
           </a:xfrm>
         </p:spPr>
       </p:pic>
-      <p:sp>
-        <p:nvSpPr>
-          <p:cNvPr id="8" name="CuadroTexto 7">
-            <a:extLst>
-              <a:ext uri="{FF2B5EF4-FFF2-40B4-BE49-F238E27FC236}">
-                <a16:creationId xmlns:a16="http://schemas.microsoft.com/office/drawing/2014/main" id="{FD8BEAB4-5E51-44ED-8040-9CF1CA9DB213}"/>
-              </a:ext>
-            </a:extLst>
-          </p:cNvPr>
-          <p:cNvSpPr txBox="1"/>
-          <p:nvPr/>
-        </p:nvSpPr>
-        <p:spPr>
-          <a:xfrm>
-            <a:off x="10273289" y="2428497"/>
-            <a:ext cx="1688699" cy="3693319"/>
-          </a:xfrm>
-          <a:prstGeom prst="rect">
-            <a:avLst/>
-          </a:prstGeom>
-          <a:noFill/>
-        </p:spPr>
-        <p:txBody>
-          <a:bodyPr wrap="square" rtlCol="0">
-            <a:spAutoFit/>
-          </a:bodyPr>
-          <a:lstStyle/>
-          <a:p>
-            <a:r>
-              <a:rPr lang="es-CL" dirty="0"/>
-              <a:t>Aunque para Latinoamérica es un poco distinto ya que no hay </a:t>
-            </a:r>
-            <a:r>
-              <a:rPr lang="es-CL" dirty="0" err="1"/>
-              <a:t>Excels</a:t>
-            </a:r>
-            <a:r>
-              <a:rPr lang="es-CL" dirty="0"/>
-              <a:t>  por sector, sino que por tipo de gas y adentro tienen los sectores, como se ve en la próxima diapositiva</a:t>
-            </a:r>
-          </a:p>
-        </p:txBody>
-      </p:sp>
     </p:spTree>
     <p:extLst>
       <p:ext uri="{BB962C8B-B14F-4D97-AF65-F5344CB8AC3E}">
@@ -3904,7 +3861,7 @@
             </a:pPr>
             <a:r>
               <a:rPr lang="es-CL" sz="1800" dirty="0"/>
-              <a:t>Revisar Texto Causas del Cambio Climático en DROPBOX Diseño </a:t>
+              <a:t>DROPBOX Diseño </a:t>
             </a:r>
             <a:r>
               <a:rPr lang="es-CL" sz="1800" dirty="0" err="1"/>
@@ -3920,14 +3877,16 @@
             </a:r>
             <a:r>
               <a:rPr lang="es-CL" sz="1800" dirty="0"/>
-              <a:t>-Incluir los siguientes Excel:</a:t>
-            </a:r>
-          </a:p>
-          <a:p>
-            <a:pPr marL="457200" indent="-457200">
-              <a:buFont typeface="+mj-lt"/>
-              <a:buAutoNum type="arabicPeriod" startAt="2"/>
-            </a:pPr>
+              <a:t>. Incluir los siguientes </a:t>
+            </a:r>
+            <a:r>
+              <a:rPr lang="es-CL" sz="1800" dirty="0" err="1"/>
+              <a:t>Excels</a:t>
+            </a:r>
+            <a:r>
+              <a:rPr lang="es-CL" sz="1800" dirty="0"/>
+              <a:t>:</a:t>
+            </a:r>
             <a:endParaRPr lang="es-CL" sz="2000" dirty="0"/>
           </a:p>
           <a:p>
@@ -4179,21 +4138,13 @@
         </p:spPr>
         <p:txBody>
           <a:bodyPr>
-            <a:normAutofit fontScale="85000" lnSpcReduction="20000"/>
+            <a:normAutofit fontScale="92500" lnSpcReduction="10000"/>
           </a:bodyPr>
           <a:lstStyle/>
           <a:p>
             <a:r>
               <a:rPr lang="es-CL" sz="2800" dirty="0"/>
               <a:t>Producto Factores Influyentes en la Emisión de CO2 Chile </a:t>
-            </a:r>
-            <a:r>
-              <a:rPr lang="es-CL" sz="2800" dirty="0">
-                <a:solidFill>
-                  <a:srgbClr val="C00000"/>
-                </a:solidFill>
-              </a:rPr>
-              <a:t>(ya estaba en proceso) </a:t>
             </a:r>
             <a:r>
               <a:rPr lang="es-CL" sz="2800" dirty="0">
@@ -4219,21 +4170,25 @@
             </a:r>
             <a:r>
               <a:rPr lang="es-CL" sz="2000" dirty="0"/>
-              <a:t>-DATA ICC-CHILE-Factores Influyentes en Emisiones de CO2-Planilla “Porcentaje de Variación de Factores Influyentes en Emisión de CO2 1960-2016” tabla CHILE. </a:t>
-            </a:r>
-            <a:r>
-              <a:rPr lang="es-CL" sz="2000" dirty="0">
-                <a:solidFill>
-                  <a:srgbClr val="C00000"/>
-                </a:solidFill>
-              </a:rPr>
-              <a:t>OJO que en realidad no es porcentaje de variación, muestra la evolución por año. El período de tiempo lo pueden acortar donde estimen conveniente.</a:t>
-            </a:r>
-          </a:p>
-          <a:p>
+              <a:t>-DATA ICC-CHILE-00 Causas </a:t>
+            </a:r>
+            <a:r>
+              <a:rPr lang="es-CL" sz="2000" dirty="0" err="1"/>
+              <a:t>Antropógenas</a:t>
+            </a:r>
+            <a:r>
+              <a:rPr lang="es-CL" sz="2000" dirty="0"/>
+              <a:t>-Factores Influyentes en Emisión de CO2-Planilla “Evolución Anual Factores Influyentes de CO2 1960-2016” tabla CHILE. </a:t>
+            </a:r>
+          </a:p>
+          <a:p>
+            <a:pPr marL="457200" indent="-457200">
+              <a:buFont typeface="+mj-lt"/>
+              <a:buAutoNum type="arabicPeriod"/>
+            </a:pPr>
             <a:r>
               <a:rPr lang="es-CL" sz="2800" dirty="0"/>
-              <a:t>Productor Factores Influyentes en la Emisión de CO2 Latinoamérica </a:t>
+              <a:t>Producto Factores Influyentes en la Emisión de CO2 Latinoamérica </a:t>
             </a:r>
             <a:r>
               <a:rPr lang="es-CL" sz="2800" dirty="0">
@@ -4267,7 +4222,7 @@
             </a:r>
             <a:r>
               <a:rPr lang="es-CL" sz="2000" dirty="0"/>
-              <a:t>-Planilla “Factores Influyentes Emisión CO2 Global 1980-2016” tabla Latinoamérica</a:t>
+              <a:t>-Planilla “Factores Influyentes Emisión CO2 Global 1980-2016” tabla Latinoamérica.</a:t>
             </a:r>
           </a:p>
           <a:p>
@@ -4290,28 +4245,37 @@
               <a:buAutoNum type="arabicPeriod"/>
             </a:pPr>
             <a:r>
-              <a:rPr lang="es-CL" sz="2100" dirty="0"/>
+              <a:rPr lang="es-CL" sz="2000" dirty="0"/>
               <a:t>En DROPBOX Diseño </a:t>
             </a:r>
             <a:r>
-              <a:rPr lang="es-CL" sz="2100" dirty="0" err="1"/>
+              <a:rPr lang="es-CL" sz="2000" dirty="0" err="1"/>
               <a:t>Data´s</a:t>
             </a:r>
             <a:r>
-              <a:rPr lang="es-CL" sz="2100" dirty="0"/>
-              <a:t>-DATA ICC-CHILE-Factores Influyentes en Emisiones de CO2-Planilla “Porcentaje de Variación de Factores Influyentes en Emisión de CO2 1960-2016” tabla PAISES. </a:t>
-            </a:r>
-            <a:r>
-              <a:rPr lang="es-CL" sz="2100" dirty="0">
+              <a:rPr lang="es-CL" sz="2000" dirty="0"/>
+              <a:t>-DATA ICC-GLOBAL-Causas Cambio Climático-</a:t>
+            </a:r>
+            <a:r>
+              <a:rPr lang="es-CL" sz="2000" dirty="0" err="1"/>
+              <a:t>Antropógenas</a:t>
+            </a:r>
+            <a:r>
+              <a:rPr lang="es-CL" sz="2000" dirty="0"/>
+              <a:t>-Planilla “Factores Influyentes Emisión CO2 Global 1980-2016” tabla</a:t>
+            </a:r>
+            <a:r>
+              <a:rPr lang="es-CL" sz="2000" dirty="0">
                 <a:solidFill>
                   <a:srgbClr val="C00000"/>
                 </a:solidFill>
               </a:rPr>
-              <a:t>OJO que en realidad no es porcentaje de variación, muestra la evolución por año. El período de tiempo lo pueden acortar donde estimen conveniente.</a:t>
-            </a:r>
-            <a:endParaRPr lang="es-CL" sz="2100" dirty="0"/>
-          </a:p>
-          <a:p>
+              <a:t> </a:t>
+            </a:r>
+            <a:r>
+              <a:rPr lang="es-CL" sz="2000" dirty="0"/>
+              <a:t>PAISES.</a:t>
+            </a:r>
             <a:endParaRPr lang="es-CL" sz="2400" dirty="0"/>
           </a:p>
           <a:p>

--- a/DATA CLIMA CREACION DE PRODUCTOS.pptx
+++ b/DATA CLIMA CREACION DE PRODUCTOS.pptx
@@ -7,10 +7,9 @@
   <p:sldIdLst>
     <p:sldId id="256" r:id="rId2"/>
     <p:sldId id="257" r:id="rId3"/>
-    <p:sldId id="261" r:id="rId4"/>
-    <p:sldId id="258" r:id="rId5"/>
-    <p:sldId id="259" r:id="rId6"/>
-    <p:sldId id="260" r:id="rId7"/>
+    <p:sldId id="258" r:id="rId4"/>
+    <p:sldId id="262" r:id="rId5"/>
+    <p:sldId id="260" r:id="rId6"/>
   </p:sldIdLst>
   <p:sldSz cx="12192000" cy="6858000"/>
   <p:notesSz cx="6858000" cy="9144000"/>
@@ -293,7 +292,7 @@
           <a:p>
             <a:fld id="{C0487DC4-C195-4426-A1CC-85F068579E8D}" type="datetimeFigureOut">
               <a:rPr lang="es-CL" smtClean="0"/>
-              <a:t>27-11-2020</a:t>
+              <a:t>27-12-2020</a:t>
             </a:fld>
             <a:endParaRPr lang="es-CL"/>
           </a:p>
@@ -463,7 +462,7 @@
           <a:p>
             <a:fld id="{C0487DC4-C195-4426-A1CC-85F068579E8D}" type="datetimeFigureOut">
               <a:rPr lang="es-CL" smtClean="0"/>
-              <a:t>27-11-2020</a:t>
+              <a:t>27-12-2020</a:t>
             </a:fld>
             <a:endParaRPr lang="es-CL"/>
           </a:p>
@@ -686,7 +685,7 @@
           <a:p>
             <a:fld id="{C0487DC4-C195-4426-A1CC-85F068579E8D}" type="datetimeFigureOut">
               <a:rPr lang="es-CL" smtClean="0"/>
-              <a:t>27-11-2020</a:t>
+              <a:t>27-12-2020</a:t>
             </a:fld>
             <a:endParaRPr lang="es-CL"/>
           </a:p>
@@ -866,7 +865,7 @@
           <a:p>
             <a:fld id="{C0487DC4-C195-4426-A1CC-85F068579E8D}" type="datetimeFigureOut">
               <a:rPr lang="es-CL" smtClean="0"/>
-              <a:t>27-11-2020</a:t>
+              <a:t>27-12-2020</a:t>
             </a:fld>
             <a:endParaRPr lang="es-CL"/>
           </a:p>
@@ -1172,7 +1171,7 @@
           <a:p>
             <a:fld id="{C0487DC4-C195-4426-A1CC-85F068579E8D}" type="datetimeFigureOut">
               <a:rPr lang="es-CL" smtClean="0"/>
-              <a:t>27-11-2020</a:t>
+              <a:t>27-12-2020</a:t>
             </a:fld>
             <a:endParaRPr lang="es-CL"/>
           </a:p>
@@ -1476,7 +1475,7 @@
           <a:p>
             <a:fld id="{C0487DC4-C195-4426-A1CC-85F068579E8D}" type="datetimeFigureOut">
               <a:rPr lang="es-CL" smtClean="0"/>
-              <a:t>27-11-2020</a:t>
+              <a:t>27-12-2020</a:t>
             </a:fld>
             <a:endParaRPr lang="es-CL"/>
           </a:p>
@@ -1898,7 +1897,7 @@
           <a:p>
             <a:fld id="{C0487DC4-C195-4426-A1CC-85F068579E8D}" type="datetimeFigureOut">
               <a:rPr lang="es-CL" smtClean="0"/>
-              <a:t>27-11-2020</a:t>
+              <a:t>27-12-2020</a:t>
             </a:fld>
             <a:endParaRPr lang="es-CL"/>
           </a:p>
@@ -2016,7 +2015,7 @@
           <a:p>
             <a:fld id="{C0487DC4-C195-4426-A1CC-85F068579E8D}" type="datetimeFigureOut">
               <a:rPr lang="es-CL" smtClean="0"/>
-              <a:t>27-11-2020</a:t>
+              <a:t>27-12-2020</a:t>
             </a:fld>
             <a:endParaRPr lang="es-CL"/>
           </a:p>
@@ -2111,7 +2110,7 @@
           <a:p>
             <a:fld id="{C0487DC4-C195-4426-A1CC-85F068579E8D}" type="datetimeFigureOut">
               <a:rPr lang="es-CL" smtClean="0"/>
-              <a:t>27-11-2020</a:t>
+              <a:t>27-12-2020</a:t>
             </a:fld>
             <a:endParaRPr lang="es-CL"/>
           </a:p>
@@ -2384,7 +2383,7 @@
           <a:p>
             <a:fld id="{C0487DC4-C195-4426-A1CC-85F068579E8D}" type="datetimeFigureOut">
               <a:rPr lang="es-CL" smtClean="0"/>
-              <a:t>27-11-2020</a:t>
+              <a:t>27-12-2020</a:t>
             </a:fld>
             <a:endParaRPr lang="es-CL"/>
           </a:p>
@@ -2649,7 +2648,7 @@
           <a:p>
             <a:fld id="{C0487DC4-C195-4426-A1CC-85F068579E8D}" type="datetimeFigureOut">
               <a:rPr lang="es-CL" smtClean="0"/>
-              <a:t>27-11-2020</a:t>
+              <a:t>27-12-2020</a:t>
             </a:fld>
             <a:endParaRPr lang="es-CL"/>
           </a:p>
@@ -2898,7 +2897,7 @@
           <a:p>
             <a:fld id="{C0487DC4-C195-4426-A1CC-85F068579E8D}" type="datetimeFigureOut">
               <a:rPr lang="es-CL" smtClean="0"/>
-              <a:t>27-11-2020</a:t>
+              <a:t>27-12-2020</a:t>
             </a:fld>
             <a:endParaRPr lang="es-CL"/>
           </a:p>
@@ -3494,7 +3493,7 @@
           <a:p>
             <a:r>
               <a:rPr lang="es-CL" dirty="0"/>
-              <a:t>Productos</a:t>
+              <a:t>Producto</a:t>
             </a:r>
           </a:p>
         </p:txBody>
@@ -3515,7 +3514,12 @@
             <p:ph idx="1"/>
           </p:nvPr>
         </p:nvSpPr>
-        <p:spPr/>
+        <p:spPr>
+          <a:xfrm>
+            <a:off x="1202919" y="1792936"/>
+            <a:ext cx="9784080" cy="4424984"/>
+          </a:xfrm>
+        </p:spPr>
         <p:txBody>
           <a:bodyPr>
             <a:normAutofit/>
@@ -3524,107 +3528,7 @@
           <a:p>
             <a:r>
               <a:rPr lang="es-CL" sz="2400" dirty="0"/>
-              <a:t>Producto: Conceptos Generales del Cambio Climático</a:t>
-            </a:r>
-          </a:p>
-          <a:p>
-            <a:pPr marL="514350" indent="-514350">
-              <a:buFont typeface="+mj-lt"/>
-              <a:buAutoNum type="arabicPeriod"/>
-            </a:pPr>
-            <a:r>
-              <a:rPr lang="es-CL" sz="2000" dirty="0"/>
-              <a:t>Revisar Texto Conceptos Generales del Cambio Climático en DROPBOX Diseño </a:t>
-            </a:r>
-            <a:r>
-              <a:rPr lang="es-CL" sz="2000" dirty="0" err="1"/>
-              <a:t>Data´s</a:t>
-            </a:r>
-            <a:r>
-              <a:rPr lang="es-CL" sz="2000" dirty="0"/>
-              <a:t>-DATA ICC-Textos Sección Global-Texto Conceptos Generales Cambio Climático (Word)</a:t>
-            </a:r>
-          </a:p>
-          <a:p>
-            <a:pPr marL="514350" indent="-514350">
-              <a:buFont typeface="+mj-lt"/>
-              <a:buAutoNum type="arabicPeriod"/>
-            </a:pPr>
-            <a:r>
-              <a:rPr lang="es-CL" sz="2000" dirty="0"/>
-              <a:t>Cualquier duda con el uso de imágenes o </a:t>
-            </a:r>
-            <a:r>
-              <a:rPr lang="es-CL" sz="2000" dirty="0" err="1"/>
-              <a:t>GIFs</a:t>
-            </a:r>
-            <a:r>
-              <a:rPr lang="es-CL" sz="2000" dirty="0"/>
-              <a:t> me consultan</a:t>
-            </a:r>
-          </a:p>
-          <a:p>
-            <a:r>
-              <a:rPr lang="es-CL" sz="2400" dirty="0"/>
-              <a:t>Producto: Causas del Cambio Climático Global</a:t>
-            </a:r>
-          </a:p>
-          <a:p>
-            <a:pPr marL="514350" indent="-514350">
-              <a:buFont typeface="+mj-lt"/>
-              <a:buAutoNum type="arabicPeriod"/>
-            </a:pPr>
-            <a:r>
-              <a:rPr lang="es-CL" sz="2000" dirty="0"/>
-              <a:t>Revisar Texto Causas del Cambio Climático en DROPBOX Diseño </a:t>
-            </a:r>
-            <a:r>
-              <a:rPr lang="es-CL" sz="2000" dirty="0" err="1"/>
-              <a:t>Data´s</a:t>
-            </a:r>
-            <a:r>
-              <a:rPr lang="es-CL" sz="2000" dirty="0"/>
-              <a:t>-DATA ICC-Textos Sección Global-Texto Causas Cambio Climático (Word). Para todos los </a:t>
-            </a:r>
-            <a:r>
-              <a:rPr lang="es-CL" sz="2000" dirty="0" err="1"/>
-              <a:t>Excels</a:t>
-            </a:r>
-            <a:r>
-              <a:rPr lang="es-CL" sz="2000" dirty="0"/>
-              <a:t> referenciados, usar la tabla de MUNDO si es que hay más de una.</a:t>
-            </a:r>
-          </a:p>
-          <a:p>
-            <a:pPr marL="514350" indent="-514350">
-              <a:buFont typeface="+mj-lt"/>
-              <a:buAutoNum type="arabicPeriod"/>
-            </a:pPr>
-            <a:r>
-              <a:rPr lang="es-CL" sz="2000" dirty="0"/>
-              <a:t>Cualquier duda con el uso de imágenes o </a:t>
-            </a:r>
-            <a:r>
-              <a:rPr lang="es-CL" sz="2000" dirty="0" err="1"/>
-              <a:t>GIFs</a:t>
-            </a:r>
-            <a:r>
-              <a:rPr lang="es-CL" sz="2000" dirty="0"/>
-              <a:t> me consultan</a:t>
-            </a:r>
-          </a:p>
-          <a:p>
-            <a:r>
-              <a:rPr lang="es-CL" sz="2400" dirty="0"/>
-              <a:t>Producto: Causas </a:t>
-            </a:r>
-            <a:r>
-              <a:rPr lang="es-CL" sz="2400" dirty="0" err="1"/>
-              <a:t>Antropógenas</a:t>
-            </a:r>
-            <a:r>
-              <a:rPr lang="es-CL" sz="2400" dirty="0"/>
-              <a:t> del Cambio Climático Chile </a:t>
+              <a:t>Producto: Emisiones GEI en Chile </a:t>
             </a:r>
             <a:r>
               <a:rPr lang="es-CL" sz="2400" dirty="0">
@@ -3632,7 +3536,7 @@
                   <a:srgbClr val="C00000"/>
                 </a:solidFill>
               </a:rPr>
-              <a:t>(terminado)</a:t>
+              <a:t>(casi terminado)</a:t>
             </a:r>
           </a:p>
           <a:p>
@@ -3651,6 +3555,42 @@
           </a:p>
         </p:txBody>
       </p:sp>
+      <p:pic>
+        <p:nvPicPr>
+          <p:cNvPr id="4" name="Marcador de contenido 6">
+            <a:extLst>
+              <a:ext uri="{FF2B5EF4-FFF2-40B4-BE49-F238E27FC236}">
+                <a16:creationId xmlns:a16="http://schemas.microsoft.com/office/drawing/2014/main" id="{80119A6A-F473-45EB-BF91-70FFD99944BD}"/>
+              </a:ext>
+            </a:extLst>
+          </p:cNvPr>
+          <p:cNvPicPr>
+            <a:picLocks noChangeAspect="1"/>
+          </p:cNvPicPr>
+          <p:nvPr/>
+        </p:nvPicPr>
+        <p:blipFill>
+          <a:blip r:embed="rId2">
+            <a:extLst>
+              <a:ext uri="{28A0092B-C50C-407E-A947-70E740481C1C}">
+                <a14:useLocalDpi xmlns:a14="http://schemas.microsoft.com/office/drawing/2010/main" val="0"/>
+              </a:ext>
+            </a:extLst>
+          </a:blip>
+          <a:stretch>
+            <a:fillRect/>
+          </a:stretch>
+        </p:blipFill>
+        <p:spPr>
+          <a:xfrm>
+            <a:off x="2373945" y="2516320"/>
+            <a:ext cx="7444110" cy="4169848"/>
+          </a:xfrm>
+          <a:prstGeom prst="rect">
+            <a:avLst/>
+          </a:prstGeom>
+        </p:spPr>
+      </p:pic>
     </p:spTree>
     <p:extLst>
       <p:ext uri="{BB962C8B-B14F-4D97-AF65-F5344CB8AC3E}">
@@ -3686,7 +3626,7 @@
           <p:cNvPr id="2" name="Título 1">
             <a:extLst>
               <a:ext uri="{FF2B5EF4-FFF2-40B4-BE49-F238E27FC236}">
-                <a16:creationId xmlns:a16="http://schemas.microsoft.com/office/drawing/2014/main" id="{20AEA071-23F4-4E80-9730-F6954D053E11}"/>
+                <a16:creationId xmlns:a16="http://schemas.microsoft.com/office/drawing/2014/main" id="{8777EC4B-93E1-4E55-AC24-9703C24225B0}"/>
               </a:ext>
             </a:extLst>
           </p:cNvPr>
@@ -3699,66 +3639,367 @@
         </p:nvSpPr>
         <p:spPr/>
         <p:txBody>
+          <a:bodyPr/>
+          <a:lstStyle/>
+          <a:p>
+            <a:r>
+              <a:rPr lang="es-CL" dirty="0"/>
+              <a:t>Producto</a:t>
+            </a:r>
+          </a:p>
+        </p:txBody>
+      </p:sp>
+      <p:sp>
+        <p:nvSpPr>
+          <p:cNvPr id="3" name="Marcador de contenido 2">
+            <a:extLst>
+              <a:ext uri="{FF2B5EF4-FFF2-40B4-BE49-F238E27FC236}">
+                <a16:creationId xmlns:a16="http://schemas.microsoft.com/office/drawing/2014/main" id="{6A063B0C-397D-491B-B9B3-E1C0286DB27D}"/>
+              </a:ext>
+            </a:extLst>
+          </p:cNvPr>
+          <p:cNvSpPr>
+            <a:spLocks noGrp="1"/>
+          </p:cNvSpPr>
+          <p:nvPr>
+            <p:ph idx="1"/>
+          </p:nvPr>
+        </p:nvSpPr>
+        <p:spPr>
+          <a:xfrm>
+            <a:off x="1202919" y="2011680"/>
+            <a:ext cx="9784080" cy="1417320"/>
+          </a:xfrm>
+        </p:spPr>
+        <p:txBody>
           <a:bodyPr>
             <a:normAutofit/>
           </a:bodyPr>
           <a:lstStyle/>
           <a:p>
-            <a:pPr algn="ctr"/>
-            <a:r>
-              <a:rPr lang="es-CL" sz="3600" dirty="0"/>
-              <a:t>Producto causas </a:t>
-            </a:r>
-            <a:r>
-              <a:rPr lang="es-CL" sz="3600" dirty="0" err="1"/>
-              <a:t>antropógenas</a:t>
-            </a:r>
-            <a:r>
-              <a:rPr lang="es-CL" sz="3600" dirty="0"/>
-              <a:t> chile (para usar de guía)</a:t>
-            </a:r>
-          </a:p>
-        </p:txBody>
-      </p:sp>
-      <p:pic>
-        <p:nvPicPr>
-          <p:cNvPr id="7" name="Marcador de contenido 6">
+            <a:r>
+              <a:rPr lang="es-CL" sz="2400" dirty="0"/>
+              <a:t>Producto: Emisiones GEI en Latinoamérica</a:t>
+            </a:r>
+          </a:p>
+          <a:p>
+            <a:pPr marL="0" indent="0">
+              <a:buNone/>
+            </a:pPr>
+            <a:r>
+              <a:rPr lang="es-CL" sz="1800" dirty="0">
+                <a:solidFill>
+                  <a:schemeClr val="bg1"/>
+                </a:solidFill>
+              </a:rPr>
+              <a:t>DROPBOX Diseño </a:t>
+            </a:r>
+            <a:r>
+              <a:rPr lang="es-CL" sz="1800" dirty="0" err="1">
+                <a:solidFill>
+                  <a:schemeClr val="bg1"/>
+                </a:solidFill>
+              </a:rPr>
+              <a:t>Data´s</a:t>
+            </a:r>
+            <a:r>
+              <a:rPr lang="es-CL" sz="1800" dirty="0">
+                <a:solidFill>
+                  <a:schemeClr val="bg1"/>
+                </a:solidFill>
+              </a:rPr>
+              <a:t>-DATA ICC-LATINOAMERICA-Causas Cambio Climático-</a:t>
+            </a:r>
+            <a:r>
+              <a:rPr lang="es-CL" sz="1800" dirty="0" err="1">
+                <a:solidFill>
+                  <a:schemeClr val="bg1"/>
+                </a:solidFill>
+              </a:rPr>
+              <a:t>Antropógenas</a:t>
+            </a:r>
+            <a:r>
+              <a:rPr lang="es-CL" sz="1800" dirty="0">
+                <a:solidFill>
+                  <a:schemeClr val="bg1"/>
+                </a:solidFill>
+              </a:rPr>
+              <a:t>. Se incluyen los siguientes </a:t>
+            </a:r>
+            <a:r>
+              <a:rPr lang="es-CL" sz="1800" dirty="0" err="1">
+                <a:solidFill>
+                  <a:schemeClr val="bg1"/>
+                </a:solidFill>
+              </a:rPr>
+              <a:t>Excels</a:t>
+            </a:r>
+            <a:r>
+              <a:rPr lang="es-CL" sz="1800" dirty="0">
+                <a:solidFill>
+                  <a:schemeClr val="bg1"/>
+                </a:solidFill>
+              </a:rPr>
+              <a:t>:</a:t>
+            </a:r>
+            <a:endParaRPr lang="es-CL" sz="2000" dirty="0">
+              <a:solidFill>
+                <a:schemeClr val="bg1"/>
+              </a:solidFill>
+            </a:endParaRPr>
+          </a:p>
+          <a:p>
+            <a:pPr>
+              <a:buFont typeface="Wingdings" panose="05000000000000000000" pitchFamily="2" charset="2"/>
+              <a:buChar char="ü"/>
+            </a:pPr>
+            <a:endParaRPr lang="es-CL" sz="2000" dirty="0"/>
+          </a:p>
+          <a:p>
+            <a:pPr marL="0" indent="0">
+              <a:buNone/>
+            </a:pPr>
+            <a:endParaRPr lang="es-CL" sz="2800" dirty="0"/>
+          </a:p>
+          <a:p>
+            <a:pPr>
+              <a:buFont typeface="Wingdings" panose="05000000000000000000" pitchFamily="2" charset="2"/>
+              <a:buChar char="ü"/>
+            </a:pPr>
+            <a:endParaRPr lang="es-CL" sz="2800" dirty="0"/>
+          </a:p>
+        </p:txBody>
+      </p:sp>
+      <p:sp>
+        <p:nvSpPr>
+          <p:cNvPr id="4" name="CuadroTexto 3">
             <a:extLst>
               <a:ext uri="{FF2B5EF4-FFF2-40B4-BE49-F238E27FC236}">
-                <a16:creationId xmlns:a16="http://schemas.microsoft.com/office/drawing/2014/main" id="{DFB2AC89-79EE-4F92-BA40-B207DEB0F569}"/>
+                <a16:creationId xmlns:a16="http://schemas.microsoft.com/office/drawing/2014/main" id="{29A43A46-D6E9-4CF7-BF6C-6C7BB2C87142}"/>
               </a:ext>
             </a:extLst>
           </p:cNvPr>
-          <p:cNvPicPr>
-            <a:picLocks noGrp="1" noChangeAspect="1"/>
-          </p:cNvPicPr>
-          <p:nvPr>
-            <p:ph idx="1"/>
-          </p:nvPr>
-        </p:nvPicPr>
-        <p:blipFill>
-          <a:blip r:embed="rId2">
-            <a:extLst>
-              <a:ext uri="{28A0092B-C50C-407E-A947-70E740481C1C}">
-                <a14:useLocalDpi xmlns:a14="http://schemas.microsoft.com/office/drawing/2010/main" val="0"/>
-              </a:ext>
-            </a:extLst>
-          </a:blip>
-          <a:stretch>
-            <a:fillRect/>
-          </a:stretch>
-        </p:blipFill>
+          <p:cNvSpPr txBox="1"/>
+          <p:nvPr/>
+        </p:nvSpPr>
         <p:spPr>
           <a:xfrm>
-            <a:off x="1925177" y="2051120"/>
-            <a:ext cx="8339563" cy="4671440"/>
+            <a:off x="1202919" y="3429000"/>
+            <a:ext cx="9784080" cy="3139321"/>
           </a:xfrm>
+          <a:prstGeom prst="rect">
+            <a:avLst/>
+          </a:prstGeom>
+          <a:noFill/>
         </p:spPr>
-      </p:pic>
+        <p:txBody>
+          <a:bodyPr wrap="square" numCol="2" rtlCol="0">
+            <a:spAutoFit/>
+          </a:bodyPr>
+          <a:lstStyle/>
+          <a:p>
+            <a:pPr>
+              <a:buFont typeface="Wingdings" panose="05000000000000000000" pitchFamily="2" charset="2"/>
+              <a:buChar char="ü"/>
+            </a:pPr>
+            <a:r>
+              <a:rPr lang="es-CL" sz="1800" dirty="0">
+                <a:solidFill>
+                  <a:schemeClr val="bg1"/>
+                </a:solidFill>
+              </a:rPr>
+              <a:t>Comparación Gases GEI Anuales Global 1990-2016 </a:t>
+            </a:r>
+            <a:endParaRPr lang="es-CL" dirty="0">
+              <a:solidFill>
+                <a:schemeClr val="bg1"/>
+              </a:solidFill>
+            </a:endParaRPr>
+          </a:p>
+          <a:p>
+            <a:pPr marL="285750" indent="-285750">
+              <a:buFont typeface="Wingdings" panose="05000000000000000000" pitchFamily="2" charset="2"/>
+              <a:buChar char="ü"/>
+            </a:pPr>
+            <a:r>
+              <a:rPr lang="es-CL" sz="1800" dirty="0">
+                <a:solidFill>
+                  <a:schemeClr val="bg1"/>
+                </a:solidFill>
+              </a:rPr>
+              <a:t>Consumo Combustibles Global 1990-2019</a:t>
+            </a:r>
+          </a:p>
+          <a:p>
+            <a:pPr marL="285750" indent="-285750">
+              <a:buFont typeface="Wingdings" panose="05000000000000000000" pitchFamily="2" charset="2"/>
+              <a:buChar char="ü"/>
+            </a:pPr>
+            <a:r>
+              <a:rPr lang="es-CL" sz="1800" dirty="0">
+                <a:solidFill>
+                  <a:schemeClr val="bg1"/>
+                </a:solidFill>
+              </a:rPr>
+              <a:t>Emisiones CH4 Anuales Global por tipo de Sector 1990 2016 </a:t>
+            </a:r>
+            <a:endParaRPr lang="es-CL" dirty="0">
+              <a:solidFill>
+                <a:schemeClr val="bg1"/>
+              </a:solidFill>
+            </a:endParaRPr>
+          </a:p>
+          <a:p>
+            <a:pPr marL="285750" indent="-285750">
+              <a:buFont typeface="Wingdings" panose="05000000000000000000" pitchFamily="2" charset="2"/>
+              <a:buChar char="ü"/>
+            </a:pPr>
+            <a:r>
+              <a:rPr lang="es-CL" sz="1800" dirty="0">
+                <a:solidFill>
+                  <a:schemeClr val="bg1"/>
+                </a:solidFill>
+              </a:rPr>
+              <a:t>Emisiones CO2 Anuales Global por tipo de Sector 1990-2016 </a:t>
+            </a:r>
+            <a:endParaRPr lang="es-CL" dirty="0">
+              <a:solidFill>
+                <a:schemeClr val="bg1"/>
+              </a:solidFill>
+            </a:endParaRPr>
+          </a:p>
+          <a:p>
+            <a:pPr marL="285750" indent="-285750">
+              <a:buFont typeface="Wingdings" panose="05000000000000000000" pitchFamily="2" charset="2"/>
+              <a:buChar char="ü"/>
+            </a:pPr>
+            <a:r>
+              <a:rPr lang="es-CL" sz="1800" dirty="0">
+                <a:solidFill>
+                  <a:schemeClr val="bg1"/>
+                </a:solidFill>
+              </a:rPr>
+              <a:t>Emisiones N2O Anuales Global por tipo de Sector 1990-2016 </a:t>
+            </a:r>
+            <a:endParaRPr lang="es-CL" dirty="0">
+              <a:solidFill>
+                <a:schemeClr val="bg1"/>
+              </a:solidFill>
+            </a:endParaRPr>
+          </a:p>
+          <a:p>
+            <a:pPr marL="285750" indent="-285750">
+              <a:buFont typeface="Wingdings" panose="05000000000000000000" pitchFamily="2" charset="2"/>
+              <a:buChar char="ü"/>
+            </a:pPr>
+            <a:r>
+              <a:rPr lang="es-CL" sz="1800" dirty="0">
+                <a:solidFill>
+                  <a:schemeClr val="bg1"/>
+                </a:solidFill>
+              </a:rPr>
+              <a:t>Emisiones GEI CO2eq Global por sector 1990- 	2016 </a:t>
+            </a:r>
+            <a:endParaRPr lang="es-CL" dirty="0">
+              <a:solidFill>
+                <a:schemeClr val="bg1"/>
+              </a:solidFill>
+            </a:endParaRPr>
+          </a:p>
+          <a:p>
+            <a:pPr marL="285750" indent="-285750">
+              <a:buFont typeface="Wingdings" panose="05000000000000000000" pitchFamily="2" charset="2"/>
+              <a:buChar char="ü"/>
+            </a:pPr>
+            <a:r>
+              <a:rPr lang="es-CL" dirty="0">
+                <a:solidFill>
+                  <a:schemeClr val="bg1"/>
+                </a:solidFill>
+              </a:rPr>
+              <a:t>Emisiones CO2 Anuales Global por tipo de Combustible 1800-2018 </a:t>
+            </a:r>
+          </a:p>
+          <a:p>
+            <a:pPr marL="285750" indent="-285750">
+              <a:buFont typeface="Wingdings" panose="05000000000000000000" pitchFamily="2" charset="2"/>
+              <a:buChar char="ü"/>
+            </a:pPr>
+            <a:r>
+              <a:rPr lang="es-CL" dirty="0">
+                <a:solidFill>
+                  <a:schemeClr val="bg1"/>
+                </a:solidFill>
+              </a:rPr>
+              <a:t>Emisiones CO2 </a:t>
+            </a:r>
+            <a:r>
+              <a:rPr lang="es-CL" dirty="0" err="1">
+                <a:solidFill>
+                  <a:schemeClr val="bg1"/>
+                </a:solidFill>
+              </a:rPr>
+              <a:t>Importacion</a:t>
+            </a:r>
+            <a:r>
+              <a:rPr lang="es-CL" dirty="0">
+                <a:solidFill>
+                  <a:schemeClr val="bg1"/>
+                </a:solidFill>
+              </a:rPr>
+              <a:t> y </a:t>
+            </a:r>
+            <a:r>
+              <a:rPr lang="es-CL" dirty="0" err="1">
+                <a:solidFill>
+                  <a:schemeClr val="bg1"/>
+                </a:solidFill>
+              </a:rPr>
+              <a:t>Exportacion</a:t>
+            </a:r>
+            <a:r>
+              <a:rPr lang="es-CL" dirty="0">
+                <a:solidFill>
+                  <a:schemeClr val="bg1"/>
+                </a:solidFill>
+              </a:rPr>
+              <a:t> Global 1990-2017 </a:t>
+            </a:r>
+          </a:p>
+          <a:p>
+            <a:pPr marL="285750" indent="-285750">
+              <a:buFont typeface="Wingdings" panose="05000000000000000000" pitchFamily="2" charset="2"/>
+              <a:buChar char="ü"/>
+            </a:pPr>
+            <a:r>
+              <a:rPr lang="es-CL" dirty="0">
+                <a:solidFill>
+                  <a:schemeClr val="bg1"/>
+                </a:solidFill>
+              </a:rPr>
+              <a:t>Emisiones CO2 producción vs consumo Global 1990-2017 </a:t>
+            </a:r>
+          </a:p>
+          <a:p>
+            <a:pPr marL="285750" indent="-285750">
+              <a:buFont typeface="Wingdings" panose="05000000000000000000" pitchFamily="2" charset="2"/>
+              <a:buChar char="ü"/>
+            </a:pPr>
+            <a:r>
+              <a:rPr lang="es-CL" dirty="0">
+                <a:solidFill>
+                  <a:schemeClr val="bg1"/>
+                </a:solidFill>
+              </a:rPr>
+              <a:t>Factores Influyentes Emisión CO2 Global 1980-2016</a:t>
+            </a:r>
+          </a:p>
+        </p:txBody>
+      </p:sp>
     </p:spTree>
     <p:extLst>
       <p:ext uri="{BB962C8B-B14F-4D97-AF65-F5344CB8AC3E}">
-        <p14:creationId xmlns:p14="http://schemas.microsoft.com/office/powerpoint/2010/main" val="1858241233"/>
+        <p14:creationId xmlns:p14="http://schemas.microsoft.com/office/powerpoint/2010/main" val="1856660860"/>
       </p:ext>
     </p:extLst>
   </p:cSld>
@@ -3790,7 +4031,7 @@
           <p:cNvPr id="2" name="Título 1">
             <a:extLst>
               <a:ext uri="{FF2B5EF4-FFF2-40B4-BE49-F238E27FC236}">
-                <a16:creationId xmlns:a16="http://schemas.microsoft.com/office/drawing/2014/main" id="{8777EC4B-93E1-4E55-AC24-9703C24225B0}"/>
+                <a16:creationId xmlns:a16="http://schemas.microsoft.com/office/drawing/2014/main" id="{6310835D-CFC3-493B-AE22-98FD264AE47C}"/>
               </a:ext>
             </a:extLst>
           </p:cNvPr>
@@ -3818,7 +4059,7 @@
           <p:cNvPr id="3" name="Marcador de contenido 2">
             <a:extLst>
               <a:ext uri="{FF2B5EF4-FFF2-40B4-BE49-F238E27FC236}">
-                <a16:creationId xmlns:a16="http://schemas.microsoft.com/office/drawing/2014/main" id="{6A063B0C-397D-491B-B9B3-E1C0286DB27D}"/>
+                <a16:creationId xmlns:a16="http://schemas.microsoft.com/office/drawing/2014/main" id="{5D4C3459-544E-44D7-B3C5-15E858B54295}"/>
               </a:ext>
             </a:extLst>
           </p:cNvPr>
@@ -3829,12 +4070,7 @@
             <p:ph idx="1"/>
           </p:nvPr>
         </p:nvSpPr>
-        <p:spPr>
-          <a:xfrm>
-            <a:off x="1202919" y="2011680"/>
-            <a:ext cx="9784080" cy="1417320"/>
-          </a:xfrm>
-        </p:spPr>
+        <p:spPr/>
         <p:txBody>
           <a:bodyPr>
             <a:normAutofit/>
@@ -3843,223 +4079,145 @@
           <a:p>
             <a:r>
               <a:rPr lang="es-CL" sz="2400" dirty="0"/>
-              <a:t>Producto: Causas </a:t>
-            </a:r>
-            <a:r>
-              <a:rPr lang="es-CL" sz="2400" dirty="0" err="1"/>
-              <a:t>Antropógenas</a:t>
-            </a:r>
-            <a:r>
-              <a:rPr lang="es-CL" sz="2400" dirty="0"/>
-              <a:t> del Cambio Climático Latinoamérica</a:t>
-            </a:r>
-          </a:p>
-          <a:p>
-            <a:pPr marL="514350" indent="-514350">
-              <a:buFont typeface="+mj-lt"/>
-              <a:buAutoNum type="arabicPeriod"/>
+              <a:t>Producto: Cambio Climático en el Mundo </a:t>
+            </a:r>
+          </a:p>
+          <a:p>
+            <a:pPr marL="0" indent="0">
+              <a:buNone/>
             </a:pPr>
             <a:r>
-              <a:rPr lang="es-CL" sz="1800" dirty="0"/>
+              <a:rPr lang="es-CL" sz="2400" dirty="0">
+                <a:solidFill>
+                  <a:schemeClr val="bg1"/>
+                </a:solidFill>
+              </a:rPr>
               <a:t>DROPBOX Diseño </a:t>
             </a:r>
             <a:r>
-              <a:rPr lang="es-CL" sz="1800" dirty="0" err="1"/>
+              <a:rPr lang="es-CL" sz="2400" dirty="0" err="1">
+                <a:solidFill>
+                  <a:schemeClr val="bg1"/>
+                </a:solidFill>
+              </a:rPr>
               <a:t>Data´s</a:t>
             </a:r>
             <a:r>
-              <a:rPr lang="es-CL" sz="1800" dirty="0"/>
-              <a:t>-DATA ICC-GLOBAL-Causas Cambio Climático-</a:t>
-            </a:r>
-            <a:r>
-              <a:rPr lang="es-CL" sz="1800" dirty="0" err="1"/>
-              <a:t>Antropógenas</a:t>
-            </a:r>
-            <a:r>
-              <a:rPr lang="es-CL" sz="1800" dirty="0"/>
-              <a:t>. Incluir los siguientes </a:t>
-            </a:r>
-            <a:r>
-              <a:rPr lang="es-CL" sz="1800" dirty="0" err="1"/>
+              <a:rPr lang="es-CL" sz="2400" dirty="0">
+                <a:solidFill>
+                  <a:schemeClr val="bg1"/>
+                </a:solidFill>
+              </a:rPr>
+              <a:t>-DATA ICC-GLOBAL</a:t>
+            </a:r>
+          </a:p>
+          <a:p>
+            <a:r>
+              <a:rPr lang="es-CL" sz="1800" dirty="0">
+                <a:solidFill>
+                  <a:schemeClr val="bg1">
+                    <a:lumMod val="90000"/>
+                    <a:lumOff val="10000"/>
+                  </a:schemeClr>
+                </a:solidFill>
+              </a:rPr>
+              <a:t>Revisar Textos “Conceptos Generales Cambio Climático”, “Causas Cambio Climático” e “Impactos y Proyecciones Cambio Climático” en DROPBOX.</a:t>
+            </a:r>
+          </a:p>
+          <a:p>
+            <a:pPr algn="just"/>
+            <a:r>
+              <a:rPr lang="es-CL" sz="1800" dirty="0">
+                <a:solidFill>
+                  <a:schemeClr val="bg1">
+                    <a:lumMod val="90000"/>
+                    <a:lumOff val="10000"/>
+                  </a:schemeClr>
+                </a:solidFill>
+              </a:rPr>
+              <a:t>Todos los </a:t>
+            </a:r>
+            <a:r>
+              <a:rPr lang="es-CL" sz="1800" dirty="0" err="1">
+                <a:solidFill>
+                  <a:schemeClr val="bg1">
+                    <a:lumMod val="90000"/>
+                    <a:lumOff val="10000"/>
+                  </a:schemeClr>
+                </a:solidFill>
+              </a:rPr>
               <a:t>Excels</a:t>
             </a:r>
             <a:r>
-              <a:rPr lang="es-CL" sz="1800" dirty="0"/>
-              <a:t>:</a:t>
-            </a:r>
-            <a:endParaRPr lang="es-CL" sz="2000" dirty="0"/>
-          </a:p>
-          <a:p>
-            <a:pPr>
-              <a:buFont typeface="Wingdings" panose="05000000000000000000" pitchFamily="2" charset="2"/>
-              <a:buChar char="ü"/>
-            </a:pPr>
-            <a:endParaRPr lang="es-CL" sz="2000" dirty="0"/>
-          </a:p>
-          <a:p>
-            <a:pPr marL="0" indent="0">
-              <a:buNone/>
-            </a:pPr>
-            <a:endParaRPr lang="es-CL" sz="2800" dirty="0"/>
-          </a:p>
-          <a:p>
-            <a:pPr>
-              <a:buFont typeface="Wingdings" panose="05000000000000000000" pitchFamily="2" charset="2"/>
-              <a:buChar char="ü"/>
-            </a:pPr>
-            <a:endParaRPr lang="es-CL" sz="2800" dirty="0"/>
-          </a:p>
-        </p:txBody>
-      </p:sp>
-      <p:sp>
-        <p:nvSpPr>
-          <p:cNvPr id="4" name="CuadroTexto 3">
-            <a:extLst>
-              <a:ext uri="{FF2B5EF4-FFF2-40B4-BE49-F238E27FC236}">
-                <a16:creationId xmlns:a16="http://schemas.microsoft.com/office/drawing/2014/main" id="{29A43A46-D6E9-4CF7-BF6C-6C7BB2C87142}"/>
-              </a:ext>
-            </a:extLst>
-          </p:cNvPr>
-          <p:cNvSpPr txBox="1"/>
-          <p:nvPr/>
-        </p:nvSpPr>
-        <p:spPr>
-          <a:xfrm>
-            <a:off x="1202919" y="3429000"/>
-            <a:ext cx="9784080" cy="3139321"/>
-          </a:xfrm>
-          <a:prstGeom prst="rect">
-            <a:avLst/>
-          </a:prstGeom>
-          <a:noFill/>
-        </p:spPr>
-        <p:txBody>
-          <a:bodyPr wrap="square" numCol="2" rtlCol="0">
-            <a:spAutoFit/>
-          </a:bodyPr>
-          <a:lstStyle/>
-          <a:p>
-            <a:pPr>
-              <a:buFont typeface="Wingdings" panose="05000000000000000000" pitchFamily="2" charset="2"/>
-              <a:buChar char="ü"/>
-            </a:pPr>
-            <a:r>
-              <a:rPr lang="es-CL" sz="1800" dirty="0"/>
-              <a:t>Comparación Gases GEI Anuales Global 1990-2016 (tabla Latinoamérica)</a:t>
-            </a:r>
-          </a:p>
-          <a:p>
-            <a:pPr>
-              <a:buFont typeface="Wingdings" panose="05000000000000000000" pitchFamily="2" charset="2"/>
-              <a:buChar char="ü"/>
-            </a:pPr>
-            <a:r>
-              <a:rPr lang="es-CL" sz="1800" dirty="0"/>
-              <a:t>Consumo Combustibles Global 1990-2019 (tabla Latinoamérica)</a:t>
-            </a:r>
-          </a:p>
-          <a:p>
-            <a:pPr>
-              <a:buFont typeface="Wingdings" panose="05000000000000000000" pitchFamily="2" charset="2"/>
-              <a:buChar char="ü"/>
-            </a:pPr>
-            <a:r>
-              <a:rPr lang="es-CL" sz="1800" dirty="0"/>
-              <a:t>Emisiones CH4 Anuales Global por tipo de Sector 1990 2016 (tabla Latinoamérica)</a:t>
-            </a:r>
-          </a:p>
-          <a:p>
-            <a:pPr>
-              <a:buFont typeface="Wingdings" panose="05000000000000000000" pitchFamily="2" charset="2"/>
-              <a:buChar char="ü"/>
-            </a:pPr>
-            <a:r>
-              <a:rPr lang="es-CL" sz="1800" dirty="0"/>
-              <a:t>Emisiones CO2 Anuales Global por tipo de Sector 1990-2016 (tabla Latinoamérica)</a:t>
-            </a:r>
-          </a:p>
-          <a:p>
-            <a:pPr>
-              <a:buFont typeface="Wingdings" panose="05000000000000000000" pitchFamily="2" charset="2"/>
-              <a:buChar char="ü"/>
-            </a:pPr>
-            <a:r>
-              <a:rPr lang="es-CL" sz="1800" dirty="0"/>
-              <a:t>Emisiones N2O Anuales Global por tipo de Sector 1990-2016 (tabla Latinoamérica)</a:t>
-            </a:r>
-          </a:p>
-          <a:p>
-            <a:pPr>
-              <a:buFont typeface="Wingdings" panose="05000000000000000000" pitchFamily="2" charset="2"/>
-              <a:buChar char="ü"/>
-            </a:pPr>
-            <a:r>
-              <a:rPr lang="es-CL" sz="1800" dirty="0"/>
-              <a:t>Emisiones GEI CO2eq Global por sector 1990- 	2016 (tabla Latinoamérica)</a:t>
-            </a:r>
-          </a:p>
-          <a:p>
-            <a:pPr lvl="1">
-              <a:buFont typeface="Wingdings" panose="05000000000000000000" pitchFamily="2" charset="2"/>
-              <a:buChar char="ü"/>
-            </a:pPr>
-            <a:r>
-              <a:rPr lang="es-CL" dirty="0"/>
-              <a:t>Emisiones CO2 Anuales Global por tipo de Combustible 1800-2018 (tabla Latinoamérica)</a:t>
-            </a:r>
-          </a:p>
-          <a:p>
-            <a:pPr lvl="1">
-              <a:buFont typeface="Wingdings" panose="05000000000000000000" pitchFamily="2" charset="2"/>
-              <a:buChar char="ü"/>
-            </a:pPr>
-            <a:r>
-              <a:rPr lang="es-CL" dirty="0"/>
-              <a:t>Emisiones CO2 </a:t>
-            </a:r>
-            <a:r>
-              <a:rPr lang="es-CL" dirty="0" err="1"/>
-              <a:t>Importacion</a:t>
-            </a:r>
-            <a:r>
-              <a:rPr lang="es-CL" dirty="0"/>
-              <a:t> y </a:t>
-            </a:r>
-            <a:r>
-              <a:rPr lang="es-CL" dirty="0" err="1"/>
-              <a:t>Exportacion</a:t>
-            </a:r>
-            <a:r>
-              <a:rPr lang="es-CL" dirty="0"/>
-              <a:t> Global 1990-2017 (tabla Latinoamérica)</a:t>
-            </a:r>
-          </a:p>
-          <a:p>
-            <a:pPr lvl="1">
-              <a:buFont typeface="Wingdings" panose="05000000000000000000" pitchFamily="2" charset="2"/>
-              <a:buChar char="ü"/>
-            </a:pPr>
-            <a:r>
-              <a:rPr lang="es-CL" dirty="0"/>
-              <a:t>Emisiones CO2 producción vs consumo Global 1990-2017 (tabla Latinoamérica)</a:t>
-            </a:r>
-          </a:p>
-          <a:p>
-            <a:pPr lvl="1">
-              <a:buFont typeface="Wingdings" panose="05000000000000000000" pitchFamily="2" charset="2"/>
-              <a:buChar char="ü"/>
-            </a:pPr>
-            <a:r>
-              <a:rPr lang="es-CL" dirty="0"/>
-              <a:t>Factores Influyentes Emisión CO2 Global 1980-2016 (tabla Latinoamérica) *uso de tablas y gráficos simples</a:t>
-            </a:r>
+              <a:rPr lang="es-CL" sz="1800" dirty="0">
+                <a:solidFill>
+                  <a:schemeClr val="bg1">
+                    <a:lumMod val="90000"/>
+                    <a:lumOff val="10000"/>
+                  </a:schemeClr>
+                </a:solidFill>
+              </a:rPr>
+              <a:t> referenciados están en las carpetas “Causas Cambio Climático”, “Conceptos Cambio Climático” e “Impactos y Proyecciones Cambio Climático”. Para todos los </a:t>
+            </a:r>
+            <a:r>
+              <a:rPr lang="es-CL" sz="1800" dirty="0" err="1">
+                <a:solidFill>
+                  <a:schemeClr val="bg1">
+                    <a:lumMod val="90000"/>
+                    <a:lumOff val="10000"/>
+                  </a:schemeClr>
+                </a:solidFill>
+              </a:rPr>
+              <a:t>Excels</a:t>
+            </a:r>
+            <a:r>
+              <a:rPr lang="es-CL" sz="1800" dirty="0">
+                <a:solidFill>
+                  <a:schemeClr val="bg1">
+                    <a:lumMod val="90000"/>
+                    <a:lumOff val="10000"/>
+                  </a:schemeClr>
+                </a:solidFill>
+              </a:rPr>
+              <a:t> referenciados, usar la tabla de MUNDO si es que hay más de una.</a:t>
+            </a:r>
+          </a:p>
+          <a:p>
+            <a:pPr algn="just"/>
+            <a:r>
+              <a:rPr lang="es-CL" sz="1800" dirty="0">
+                <a:solidFill>
+                  <a:srgbClr val="C00000"/>
+                </a:solidFill>
+              </a:rPr>
+              <a:t>Cualquier duda con el uso de imágenes o </a:t>
+            </a:r>
+            <a:r>
+              <a:rPr lang="es-CL" sz="1800" dirty="0" err="1">
+                <a:solidFill>
+                  <a:srgbClr val="C00000"/>
+                </a:solidFill>
+              </a:rPr>
+              <a:t>GIFs</a:t>
+            </a:r>
+            <a:r>
+              <a:rPr lang="es-CL" sz="1800" dirty="0">
+                <a:solidFill>
+                  <a:srgbClr val="C00000"/>
+                </a:solidFill>
+              </a:rPr>
+              <a:t> me consultan</a:t>
+            </a:r>
+          </a:p>
+          <a:p>
+            <a:endParaRPr lang="es-CL" dirty="0"/>
           </a:p>
         </p:txBody>
       </p:sp>
     </p:spTree>
     <p:extLst>
       <p:ext uri="{BB962C8B-B14F-4D97-AF65-F5344CB8AC3E}">
-        <p14:creationId xmlns:p14="http://schemas.microsoft.com/office/powerpoint/2010/main" val="1856660860"/>
+        <p14:creationId xmlns:p14="http://schemas.microsoft.com/office/powerpoint/2010/main" val="451028923"/>
       </p:ext>
     </p:extLst>
   </p:cSld>
@@ -4091,239 +4249,6 @@
           <p:cNvPr id="2" name="Título 1">
             <a:extLst>
               <a:ext uri="{FF2B5EF4-FFF2-40B4-BE49-F238E27FC236}">
-                <a16:creationId xmlns:a16="http://schemas.microsoft.com/office/drawing/2014/main" id="{E888BE02-683F-4321-A378-AB7AF3213788}"/>
-              </a:ext>
-            </a:extLst>
-          </p:cNvPr>
-          <p:cNvSpPr>
-            <a:spLocks noGrp="1"/>
-          </p:cNvSpPr>
-          <p:nvPr>
-            <p:ph type="title"/>
-          </p:nvPr>
-        </p:nvSpPr>
-        <p:spPr/>
-        <p:txBody>
-          <a:bodyPr/>
-          <a:lstStyle/>
-          <a:p>
-            <a:r>
-              <a:rPr lang="es-CL" dirty="0"/>
-              <a:t>productos</a:t>
-            </a:r>
-          </a:p>
-        </p:txBody>
-      </p:sp>
-      <p:sp>
-        <p:nvSpPr>
-          <p:cNvPr id="3" name="Marcador de contenido 2">
-            <a:extLst>
-              <a:ext uri="{FF2B5EF4-FFF2-40B4-BE49-F238E27FC236}">
-                <a16:creationId xmlns:a16="http://schemas.microsoft.com/office/drawing/2014/main" id="{3967B77D-9430-476F-9498-875A3A0FC01C}"/>
-              </a:ext>
-            </a:extLst>
-          </p:cNvPr>
-          <p:cNvSpPr>
-            <a:spLocks noGrp="1"/>
-          </p:cNvSpPr>
-          <p:nvPr>
-            <p:ph idx="1"/>
-          </p:nvPr>
-        </p:nvSpPr>
-        <p:spPr>
-          <a:xfrm>
-            <a:off x="1202919" y="2011680"/>
-            <a:ext cx="9784080" cy="4667416"/>
-          </a:xfrm>
-        </p:spPr>
-        <p:txBody>
-          <a:bodyPr>
-            <a:normAutofit fontScale="92500" lnSpcReduction="10000"/>
-          </a:bodyPr>
-          <a:lstStyle/>
-          <a:p>
-            <a:r>
-              <a:rPr lang="es-CL" sz="2800" dirty="0"/>
-              <a:t>Producto Factores Influyentes en la Emisión de CO2 Chile </a:t>
-            </a:r>
-            <a:r>
-              <a:rPr lang="es-CL" sz="2800" dirty="0">
-                <a:solidFill>
-                  <a:schemeClr val="bg1"/>
-                </a:solidFill>
-              </a:rPr>
-              <a:t>*usar herramienta de “Factores Clave” de Power BI</a:t>
-            </a:r>
-          </a:p>
-          <a:p>
-            <a:pPr marL="457200" indent="-457200">
-              <a:buFont typeface="+mj-lt"/>
-              <a:buAutoNum type="arabicPeriod"/>
-            </a:pPr>
-            <a:r>
-              <a:rPr lang="es-CL" sz="2000" dirty="0"/>
-              <a:t>En DROPBOX Diseño </a:t>
-            </a:r>
-            <a:r>
-              <a:rPr lang="es-CL" sz="2000" dirty="0" err="1"/>
-              <a:t>Data´s</a:t>
-            </a:r>
-            <a:r>
-              <a:rPr lang="es-CL" sz="2000" dirty="0"/>
-              <a:t>-DATA ICC-CHILE-00 Causas </a:t>
-            </a:r>
-            <a:r>
-              <a:rPr lang="es-CL" sz="2000" dirty="0" err="1"/>
-              <a:t>Antropógenas</a:t>
-            </a:r>
-            <a:r>
-              <a:rPr lang="es-CL" sz="2000" dirty="0"/>
-              <a:t>-Factores Influyentes en Emisión de CO2-Planilla “Evolución Anual Factores Influyentes de CO2 1960-2016” tabla CHILE. </a:t>
-            </a:r>
-          </a:p>
-          <a:p>
-            <a:pPr marL="457200" indent="-457200">
-              <a:buFont typeface="+mj-lt"/>
-              <a:buAutoNum type="arabicPeriod"/>
-            </a:pPr>
-            <a:r>
-              <a:rPr lang="es-CL" sz="2800" dirty="0"/>
-              <a:t>Producto Factores Influyentes en la Emisión de CO2 Latinoamérica </a:t>
-            </a:r>
-            <a:r>
-              <a:rPr lang="es-CL" sz="2800" dirty="0">
-                <a:solidFill>
-                  <a:schemeClr val="bg1"/>
-                </a:solidFill>
-              </a:rPr>
-              <a:t>*usar herramienta de “Factores Clave” de Power BI</a:t>
-            </a:r>
-          </a:p>
-          <a:p>
-            <a:pPr marL="457200" indent="-457200">
-              <a:buFont typeface="+mj-lt"/>
-              <a:buAutoNum type="arabicPeriod"/>
-            </a:pPr>
-            <a:r>
-              <a:rPr lang="es-CL" sz="2000" dirty="0"/>
-              <a:t>En DROPBOX Diseño </a:t>
-            </a:r>
-            <a:r>
-              <a:rPr lang="es-CL" sz="2000" dirty="0" err="1"/>
-              <a:t>Data´s</a:t>
-            </a:r>
-            <a:r>
-              <a:rPr lang="es-CL" sz="2000" dirty="0"/>
-              <a:t>-DATA ICC-GLOBAL-Causas Cambio Climático-</a:t>
-            </a:r>
-            <a:r>
-              <a:rPr lang="es-CL" sz="2000" dirty="0" err="1"/>
-              <a:t>Antropógenas</a:t>
-            </a:r>
-            <a:r>
-              <a:rPr lang="es-CL" sz="2000" dirty="0"/>
-              <a:t>-Planilla “Factores Influyentes Emisión CO2 Global 1980-2016” tabla Latinoamérica.</a:t>
-            </a:r>
-          </a:p>
-          <a:p>
-            <a:r>
-              <a:rPr lang="es-CL" sz="2800" dirty="0"/>
-              <a:t>Producto Factores Influyentes en la Emisión de CO2 Países </a:t>
-            </a:r>
-            <a:r>
-              <a:rPr lang="es-CL" sz="2800" dirty="0">
-                <a:solidFill>
-                  <a:schemeClr val="bg1"/>
-                </a:solidFill>
-              </a:rPr>
-              <a:t>*usar herramienta de “Factores Clave” de Power BI</a:t>
-            </a:r>
-          </a:p>
-          <a:p>
-            <a:pPr marL="457200" indent="-457200">
-              <a:buFont typeface="+mj-lt"/>
-              <a:buAutoNum type="arabicPeriod"/>
-            </a:pPr>
-            <a:r>
-              <a:rPr lang="es-CL" sz="2000" dirty="0"/>
-              <a:t>En DROPBOX Diseño </a:t>
-            </a:r>
-            <a:r>
-              <a:rPr lang="es-CL" sz="2000" dirty="0" err="1"/>
-              <a:t>Data´s</a:t>
-            </a:r>
-            <a:r>
-              <a:rPr lang="es-CL" sz="2000" dirty="0"/>
-              <a:t>-DATA ICC-GLOBAL-Causas Cambio Climático-</a:t>
-            </a:r>
-            <a:r>
-              <a:rPr lang="es-CL" sz="2000" dirty="0" err="1"/>
-              <a:t>Antropógenas</a:t>
-            </a:r>
-            <a:r>
-              <a:rPr lang="es-CL" sz="2000" dirty="0"/>
-              <a:t>-Planilla “Factores Influyentes Emisión CO2 Global 1980-2016” tabla</a:t>
-            </a:r>
-            <a:r>
-              <a:rPr lang="es-CL" sz="2000" dirty="0">
-                <a:solidFill>
-                  <a:srgbClr val="C00000"/>
-                </a:solidFill>
-              </a:rPr>
-              <a:t> </a:t>
-            </a:r>
-            <a:r>
-              <a:rPr lang="es-CL" sz="2000" dirty="0"/>
-              <a:t>PAISES.</a:t>
-            </a:r>
-            <a:endParaRPr lang="es-CL" sz="2400" dirty="0"/>
-          </a:p>
-          <a:p>
-            <a:endParaRPr lang="es-CL" sz="2400" dirty="0"/>
-          </a:p>
-          <a:p>
-            <a:endParaRPr lang="es-CL" dirty="0"/>
-          </a:p>
-          <a:p>
-            <a:endParaRPr lang="es-CL" dirty="0"/>
-          </a:p>
-        </p:txBody>
-      </p:sp>
-    </p:spTree>
-    <p:extLst>
-      <p:ext uri="{BB962C8B-B14F-4D97-AF65-F5344CB8AC3E}">
-        <p14:creationId xmlns:p14="http://schemas.microsoft.com/office/powerpoint/2010/main" val="2502344429"/>
-      </p:ext>
-    </p:extLst>
-  </p:cSld>
-  <p:clrMapOvr>
-    <a:masterClrMapping/>
-  </p:clrMapOvr>
-</p:sld>
-</file>
-
-<file path=ppt/slides/slide6.xml><?xml version="1.0" encoding="utf-8"?>
-<p:sld xmlns:a="http://schemas.openxmlformats.org/drawingml/2006/main" xmlns:r="http://schemas.openxmlformats.org/officeDocument/2006/relationships" xmlns:p="http://schemas.openxmlformats.org/presentationml/2006/main">
-  <p:cSld>
-    <p:spTree>
-      <p:nvGrpSpPr>
-        <p:cNvPr id="1" name=""/>
-        <p:cNvGrpSpPr/>
-        <p:nvPr/>
-      </p:nvGrpSpPr>
-      <p:grpSpPr>
-        <a:xfrm>
-          <a:off x="0" y="0"/>
-          <a:ext cx="0" cy="0"/>
-          <a:chOff x="0" y="0"/>
-          <a:chExt cx="0" cy="0"/>
-        </a:xfrm>
-      </p:grpSpPr>
-      <p:sp>
-        <p:nvSpPr>
-          <p:cNvPr id="2" name="Título 1">
-            <a:extLst>
-              <a:ext uri="{FF2B5EF4-FFF2-40B4-BE49-F238E27FC236}">
                 <a16:creationId xmlns:a16="http://schemas.microsoft.com/office/drawing/2014/main" id="{474C62C0-BCB5-45EB-9F79-DD4AC5FD04DC}"/>
               </a:ext>
             </a:extLst>
@@ -4371,11 +4296,11 @@
           <a:lstStyle/>
           <a:p>
             <a:r>
-              <a:rPr lang="es-CL" sz="2400" dirty="0"/>
+              <a:rPr lang="es-CL" sz="1800" dirty="0"/>
               <a:t>Producto Estimación de Emisiones de CO2 en tiempo real </a:t>
             </a:r>
             <a:r>
-              <a:rPr lang="es-CL" sz="2400" dirty="0">
+              <a:rPr lang="es-CL" sz="1800" dirty="0">
                 <a:solidFill>
                   <a:srgbClr val="C00000"/>
                 </a:solidFill>
